--- a/2021-02-05-ics.pptx
+++ b/2021-02-05-ics.pptx
@@ -209,7 +209,7 @@
           <a:p>
             <a:fld id="{7A43D07F-AFA4-8B40-8F07-6B7232D25FE3}" type="datetimeFigureOut">
               <a:rPr lang="en-US" smtClean="0"/>
-              <a:t>2/4/21</a:t>
+              <a:t>2/5/21</a:t>
             </a:fld>
             <a:endParaRPr lang="en-US"/>
           </a:p>
@@ -1214,7 +1214,7 @@
           <a:p>
             <a:fld id="{0FAB6B49-B434-E04B-8B19-9D0B03FF27E8}" type="datetimeFigureOut">
               <a:rPr lang="en-US" smtClean="0"/>
-              <a:t>2/4/21</a:t>
+              <a:t>2/5/21</a:t>
             </a:fld>
             <a:endParaRPr lang="en-US"/>
           </a:p>
@@ -1412,7 +1412,7 @@
           <a:p>
             <a:fld id="{0FAB6B49-B434-E04B-8B19-9D0B03FF27E8}" type="datetimeFigureOut">
               <a:rPr lang="en-US" smtClean="0"/>
-              <a:t>2/4/21</a:t>
+              <a:t>2/5/21</a:t>
             </a:fld>
             <a:endParaRPr lang="en-US"/>
           </a:p>
@@ -1620,7 +1620,7 @@
           <a:p>
             <a:fld id="{0FAB6B49-B434-E04B-8B19-9D0B03FF27E8}" type="datetimeFigureOut">
               <a:rPr lang="en-US" smtClean="0"/>
-              <a:t>2/4/21</a:t>
+              <a:t>2/5/21</a:t>
             </a:fld>
             <a:endParaRPr lang="en-US"/>
           </a:p>
@@ -1818,7 +1818,7 @@
           <a:p>
             <a:fld id="{0FAB6B49-B434-E04B-8B19-9D0B03FF27E8}" type="datetimeFigureOut">
               <a:rPr lang="en-US" smtClean="0"/>
-              <a:t>2/4/21</a:t>
+              <a:t>2/5/21</a:t>
             </a:fld>
             <a:endParaRPr lang="en-US"/>
           </a:p>
@@ -2093,7 +2093,7 @@
           <a:p>
             <a:fld id="{0FAB6B49-B434-E04B-8B19-9D0B03FF27E8}" type="datetimeFigureOut">
               <a:rPr lang="en-US" smtClean="0"/>
-              <a:t>2/4/21</a:t>
+              <a:t>2/5/21</a:t>
             </a:fld>
             <a:endParaRPr lang="en-US"/>
           </a:p>
@@ -2358,7 +2358,7 @@
           <a:p>
             <a:fld id="{0FAB6B49-B434-E04B-8B19-9D0B03FF27E8}" type="datetimeFigureOut">
               <a:rPr lang="en-US" smtClean="0"/>
-              <a:t>2/4/21</a:t>
+              <a:t>2/5/21</a:t>
             </a:fld>
             <a:endParaRPr lang="en-US"/>
           </a:p>
@@ -2770,7 +2770,7 @@
           <a:p>
             <a:fld id="{0FAB6B49-B434-E04B-8B19-9D0B03FF27E8}" type="datetimeFigureOut">
               <a:rPr lang="en-US" smtClean="0"/>
-              <a:t>2/4/21</a:t>
+              <a:t>2/5/21</a:t>
             </a:fld>
             <a:endParaRPr lang="en-US"/>
           </a:p>
@@ -2911,7 +2911,7 @@
           <a:p>
             <a:fld id="{0FAB6B49-B434-E04B-8B19-9D0B03FF27E8}" type="datetimeFigureOut">
               <a:rPr lang="en-US" smtClean="0"/>
-              <a:t>2/4/21</a:t>
+              <a:t>2/5/21</a:t>
             </a:fld>
             <a:endParaRPr lang="en-US"/>
           </a:p>
@@ -3024,7 +3024,7 @@
           <a:p>
             <a:fld id="{0FAB6B49-B434-E04B-8B19-9D0B03FF27E8}" type="datetimeFigureOut">
               <a:rPr lang="en-US" smtClean="0"/>
-              <a:t>2/4/21</a:t>
+              <a:t>2/5/21</a:t>
             </a:fld>
             <a:endParaRPr lang="en-US"/>
           </a:p>
@@ -3335,7 +3335,7 @@
           <a:p>
             <a:fld id="{0FAB6B49-B434-E04B-8B19-9D0B03FF27E8}" type="datetimeFigureOut">
               <a:rPr lang="en-US" smtClean="0"/>
-              <a:t>2/4/21</a:t>
+              <a:t>2/5/21</a:t>
             </a:fld>
             <a:endParaRPr lang="en-US"/>
           </a:p>
@@ -3623,7 +3623,7 @@
           <a:p>
             <a:fld id="{0FAB6B49-B434-E04B-8B19-9D0B03FF27E8}" type="datetimeFigureOut">
               <a:rPr lang="en-US" smtClean="0"/>
-              <a:t>2/4/21</a:t>
+              <a:t>2/5/21</a:t>
             </a:fld>
             <a:endParaRPr lang="en-US"/>
           </a:p>
@@ -3864,7 +3864,7 @@
           <a:p>
             <a:fld id="{0FAB6B49-B434-E04B-8B19-9D0B03FF27E8}" type="datetimeFigureOut">
               <a:rPr lang="en-US" smtClean="0"/>
-              <a:t>2/4/21</a:t>
+              <a:t>2/5/21</a:t>
             </a:fld>
             <a:endParaRPr lang="en-US"/>
           </a:p>
